--- a/parcial1/Práctica 2.pptx
+++ b/parcial1/Práctica 2.pptx
@@ -6,6 +6,10 @@
   </p:sldMasterIdLst>
   <p:sldIdLst>
     <p:sldId id="256" r:id="rId2"/>
+    <p:sldId id="257" r:id="rId3"/>
+    <p:sldId id="258" r:id="rId4"/>
+    <p:sldId id="259" r:id="rId5"/>
+    <p:sldId id="260" r:id="rId6"/>
   </p:sldIdLst>
   <p:sldSz cx="12192000" cy="6858000"/>
   <p:notesSz cx="6858000" cy="9144000"/>
@@ -836,7 +840,7 @@
           <a:p>
             <a:fld id="{08B72F6A-BEF1-4215-A877-8BEAAC1E5D9B}" type="datetimeFigureOut">
               <a:rPr lang="es-MX" smtClean="0"/>
-              <a:t>13/02/2025</a:t>
+              <a:t>18/02/2025</a:t>
             </a:fld>
             <a:endParaRPr lang="es-MX"/>
           </a:p>
@@ -1087,7 +1091,7 @@
           <a:p>
             <a:fld id="{08B72F6A-BEF1-4215-A877-8BEAAC1E5D9B}" type="datetimeFigureOut">
               <a:rPr lang="es-MX" smtClean="0"/>
-              <a:t>13/02/2025</a:t>
+              <a:t>18/02/2025</a:t>
             </a:fld>
             <a:endParaRPr lang="es-MX"/>
           </a:p>
@@ -1401,7 +1405,7 @@
           <a:p>
             <a:fld id="{08B72F6A-BEF1-4215-A877-8BEAAC1E5D9B}" type="datetimeFigureOut">
               <a:rPr lang="es-MX" smtClean="0"/>
-              <a:t>13/02/2025</a:t>
+              <a:t>18/02/2025</a:t>
             </a:fld>
             <a:endParaRPr lang="es-MX"/>
           </a:p>
@@ -1728,7 +1732,7 @@
           <a:p>
             <a:fld id="{08B72F6A-BEF1-4215-A877-8BEAAC1E5D9B}" type="datetimeFigureOut">
               <a:rPr lang="es-MX" smtClean="0"/>
-              <a:t>13/02/2025</a:t>
+              <a:t>18/02/2025</a:t>
             </a:fld>
             <a:endParaRPr lang="es-MX"/>
           </a:p>
@@ -2042,7 +2046,7 @@
           <a:p>
             <a:fld id="{08B72F6A-BEF1-4215-A877-8BEAAC1E5D9B}" type="datetimeFigureOut">
               <a:rPr lang="es-MX" smtClean="0"/>
-              <a:t>13/02/2025</a:t>
+              <a:t>18/02/2025</a:t>
             </a:fld>
             <a:endParaRPr lang="es-MX"/>
           </a:p>
@@ -2429,7 +2433,7 @@
           <a:p>
             <a:fld id="{08B72F6A-BEF1-4215-A877-8BEAAC1E5D9B}" type="datetimeFigureOut">
               <a:rPr lang="es-MX" smtClean="0"/>
-              <a:t>13/02/2025</a:t>
+              <a:t>18/02/2025</a:t>
             </a:fld>
             <a:endParaRPr lang="es-MX"/>
           </a:p>
@@ -2599,7 +2603,7 @@
           <a:p>
             <a:fld id="{08B72F6A-BEF1-4215-A877-8BEAAC1E5D9B}" type="datetimeFigureOut">
               <a:rPr lang="es-MX" smtClean="0"/>
-              <a:t>13/02/2025</a:t>
+              <a:t>18/02/2025</a:t>
             </a:fld>
             <a:endParaRPr lang="es-MX"/>
           </a:p>
@@ -2779,7 +2783,7 @@
           <a:p>
             <a:fld id="{08B72F6A-BEF1-4215-A877-8BEAAC1E5D9B}" type="datetimeFigureOut">
               <a:rPr lang="es-MX" smtClean="0"/>
-              <a:t>13/02/2025</a:t>
+              <a:t>18/02/2025</a:t>
             </a:fld>
             <a:endParaRPr lang="es-MX"/>
           </a:p>
@@ -2955,7 +2959,7 @@
           <a:p>
             <a:fld id="{08B72F6A-BEF1-4215-A877-8BEAAC1E5D9B}" type="datetimeFigureOut">
               <a:rPr lang="es-MX" smtClean="0"/>
-              <a:t>13/02/2025</a:t>
+              <a:t>18/02/2025</a:t>
             </a:fld>
             <a:endParaRPr lang="es-MX"/>
           </a:p>
@@ -3202,7 +3206,7 @@
           <a:p>
             <a:fld id="{08B72F6A-BEF1-4215-A877-8BEAAC1E5D9B}" type="datetimeFigureOut">
               <a:rPr lang="es-MX" smtClean="0"/>
-              <a:t>13/02/2025</a:t>
+              <a:t>18/02/2025</a:t>
             </a:fld>
             <a:endParaRPr lang="es-MX"/>
           </a:p>
@@ -3434,7 +3438,7 @@
           <a:p>
             <a:fld id="{08B72F6A-BEF1-4215-A877-8BEAAC1E5D9B}" type="datetimeFigureOut">
               <a:rPr lang="es-MX" smtClean="0"/>
-              <a:t>13/02/2025</a:t>
+              <a:t>18/02/2025</a:t>
             </a:fld>
             <a:endParaRPr lang="es-MX"/>
           </a:p>
@@ -3808,7 +3812,7 @@
           <a:p>
             <a:fld id="{08B72F6A-BEF1-4215-A877-8BEAAC1E5D9B}" type="datetimeFigureOut">
               <a:rPr lang="es-MX" smtClean="0"/>
-              <a:t>13/02/2025</a:t>
+              <a:t>18/02/2025</a:t>
             </a:fld>
             <a:endParaRPr lang="es-MX"/>
           </a:p>
@@ -3931,7 +3935,7 @@
           <a:p>
             <a:fld id="{08B72F6A-BEF1-4215-A877-8BEAAC1E5D9B}" type="datetimeFigureOut">
               <a:rPr lang="es-MX" smtClean="0"/>
-              <a:t>13/02/2025</a:t>
+              <a:t>18/02/2025</a:t>
             </a:fld>
             <a:endParaRPr lang="es-MX"/>
           </a:p>
@@ -4026,7 +4030,7 @@
           <a:p>
             <a:fld id="{08B72F6A-BEF1-4215-A877-8BEAAC1E5D9B}" type="datetimeFigureOut">
               <a:rPr lang="es-MX" smtClean="0"/>
-              <a:t>13/02/2025</a:t>
+              <a:t>18/02/2025</a:t>
             </a:fld>
             <a:endParaRPr lang="es-MX"/>
           </a:p>
@@ -4281,7 +4285,7 @@
           <a:p>
             <a:fld id="{08B72F6A-BEF1-4215-A877-8BEAAC1E5D9B}" type="datetimeFigureOut">
               <a:rPr lang="es-MX" smtClean="0"/>
-              <a:t>13/02/2025</a:t>
+              <a:t>18/02/2025</a:t>
             </a:fld>
             <a:endParaRPr lang="es-MX"/>
           </a:p>
@@ -4544,7 +4548,7 @@
           <a:p>
             <a:fld id="{08B72F6A-BEF1-4215-A877-8BEAAC1E5D9B}" type="datetimeFigureOut">
               <a:rPr lang="es-MX" smtClean="0"/>
-              <a:t>13/02/2025</a:t>
+              <a:t>18/02/2025</a:t>
             </a:fld>
             <a:endParaRPr lang="es-MX"/>
           </a:p>
@@ -5289,7 +5293,7 @@
           <a:p>
             <a:fld id="{08B72F6A-BEF1-4215-A877-8BEAAC1E5D9B}" type="datetimeFigureOut">
               <a:rPr lang="es-MX" smtClean="0"/>
-              <a:t>13/02/2025</a:t>
+              <a:t>18/02/2025</a:t>
             </a:fld>
             <a:endParaRPr lang="es-MX"/>
           </a:p>
@@ -5897,6 +5901,430 @@
 </p:sld>
 </file>
 
+<file path=ppt/slides/slide2.xml><?xml version="1.0" encoding="utf-8"?>
+<p:sld xmlns:a="http://schemas.openxmlformats.org/drawingml/2006/main" xmlns:r="http://schemas.openxmlformats.org/officeDocument/2006/relationships" xmlns:p="http://schemas.openxmlformats.org/presentationml/2006/main">
+  <p:cSld>
+    <p:spTree>
+      <p:nvGrpSpPr>
+        <p:cNvPr id="1" name=""/>
+        <p:cNvGrpSpPr/>
+        <p:nvPr/>
+      </p:nvGrpSpPr>
+      <p:grpSpPr>
+        <a:xfrm>
+          <a:off x="0" y="0"/>
+          <a:ext cx="0" cy="0"/>
+          <a:chOff x="0" y="0"/>
+          <a:chExt cx="0" cy="0"/>
+        </a:xfrm>
+      </p:grpSpPr>
+      <p:sp>
+        <p:nvSpPr>
+          <p:cNvPr id="2" name="Título 1">
+            <a:extLst>
+              <a:ext uri="{FF2B5EF4-FFF2-40B4-BE49-F238E27FC236}">
+                <a16:creationId xmlns:a16="http://schemas.microsoft.com/office/drawing/2014/main" id="{5C8472D5-AF31-00B7-6EC3-D86190343717}"/>
+              </a:ext>
+            </a:extLst>
+          </p:cNvPr>
+          <p:cNvSpPr>
+            <a:spLocks noGrp="1"/>
+          </p:cNvSpPr>
+          <p:nvPr>
+            <p:ph type="title"/>
+          </p:nvPr>
+        </p:nvSpPr>
+        <p:spPr/>
+        <p:txBody>
+          <a:bodyPr/>
+          <a:lstStyle/>
+          <a:p>
+            <a:pPr algn="ctr"/>
+            <a:r>
+              <a:rPr lang="es-MX" dirty="0"/>
+              <a:t>Me gusta el basquetbol</a:t>
+            </a:r>
+          </a:p>
+        </p:txBody>
+      </p:sp>
+      <p:pic>
+        <p:nvPicPr>
+          <p:cNvPr id="1026" name="Picture 2" descr="Pelota de baloncesto #Soyvisual">
+            <a:extLst>
+              <a:ext uri="{FF2B5EF4-FFF2-40B4-BE49-F238E27FC236}">
+                <a16:creationId xmlns:a16="http://schemas.microsoft.com/office/drawing/2014/main" id="{3D69BE7E-A2AB-7929-F74A-026C6CA42DF9}"/>
+              </a:ext>
+            </a:extLst>
+          </p:cNvPr>
+          <p:cNvPicPr>
+            <a:picLocks noChangeAspect="1" noChangeArrowheads="1"/>
+          </p:cNvPicPr>
+          <p:nvPr/>
+        </p:nvPicPr>
+        <p:blipFill>
+          <a:blip r:embed="rId2">
+            <a:extLst>
+              <a:ext uri="{28A0092B-C50C-407E-A947-70E740481C1C}">
+                <a14:useLocalDpi xmlns:a14="http://schemas.microsoft.com/office/drawing/2010/main" val="0"/>
+              </a:ext>
+            </a:extLst>
+          </a:blip>
+          <a:srcRect/>
+          <a:stretch>
+            <a:fillRect/>
+          </a:stretch>
+        </p:blipFill>
+        <p:spPr bwMode="auto">
+          <a:xfrm>
+            <a:off x="3321169" y="2199735"/>
+            <a:ext cx="3510143" cy="2812211"/>
+          </a:xfrm>
+          <a:prstGeom prst="rect">
+            <a:avLst/>
+          </a:prstGeom>
+          <a:noFill/>
+          <a:extLst>
+            <a:ext uri="{909E8E84-426E-40DD-AFC4-6F175D3DCCD1}">
+              <a14:hiddenFill xmlns:a14="http://schemas.microsoft.com/office/drawing/2010/main">
+                <a:solidFill>
+                  <a:srgbClr val="FFFFFF"/>
+                </a:solidFill>
+              </a14:hiddenFill>
+            </a:ext>
+          </a:extLst>
+        </p:spPr>
+      </p:pic>
+    </p:spTree>
+    <p:extLst>
+      <p:ext uri="{BB962C8B-B14F-4D97-AF65-F5344CB8AC3E}">
+        <p14:creationId xmlns:p14="http://schemas.microsoft.com/office/powerpoint/2010/main" val="1838250061"/>
+      </p:ext>
+    </p:extLst>
+  </p:cSld>
+  <p:clrMapOvr>
+    <a:masterClrMapping/>
+  </p:clrMapOvr>
+</p:sld>
+</file>
+
+<file path=ppt/slides/slide3.xml><?xml version="1.0" encoding="utf-8"?>
+<p:sld xmlns:a="http://schemas.openxmlformats.org/drawingml/2006/main" xmlns:r="http://schemas.openxmlformats.org/officeDocument/2006/relationships" xmlns:p="http://schemas.openxmlformats.org/presentationml/2006/main">
+  <p:cSld>
+    <p:spTree>
+      <p:nvGrpSpPr>
+        <p:cNvPr id="1" name=""/>
+        <p:cNvGrpSpPr/>
+        <p:nvPr/>
+      </p:nvGrpSpPr>
+      <p:grpSpPr>
+        <a:xfrm>
+          <a:off x="0" y="0"/>
+          <a:ext cx="0" cy="0"/>
+          <a:chOff x="0" y="0"/>
+          <a:chExt cx="0" cy="0"/>
+        </a:xfrm>
+      </p:grpSpPr>
+      <p:sp>
+        <p:nvSpPr>
+          <p:cNvPr id="2" name="Título 1">
+            <a:extLst>
+              <a:ext uri="{FF2B5EF4-FFF2-40B4-BE49-F238E27FC236}">
+                <a16:creationId xmlns:a16="http://schemas.microsoft.com/office/drawing/2014/main" id="{1EEEBB95-C403-6D4F-F5ED-3F4FA88D4487}"/>
+              </a:ext>
+            </a:extLst>
+          </p:cNvPr>
+          <p:cNvSpPr>
+            <a:spLocks noGrp="1"/>
+          </p:cNvSpPr>
+          <p:nvPr>
+            <p:ph type="title"/>
+          </p:nvPr>
+        </p:nvSpPr>
+        <p:spPr/>
+        <p:txBody>
+          <a:bodyPr/>
+          <a:lstStyle/>
+          <a:p>
+            <a:pPr algn="ctr"/>
+            <a:r>
+              <a:rPr lang="es-MX" dirty="0"/>
+              <a:t>Me gustan los videojuegos</a:t>
+            </a:r>
+          </a:p>
+        </p:txBody>
+      </p:sp>
+      <p:pic>
+        <p:nvPicPr>
+          <p:cNvPr id="2050" name="Picture 2" descr="Los videojuegos ayudaron a mejorar la salud mental de pacientes durante la  pandemia | WIRED">
+            <a:extLst>
+              <a:ext uri="{FF2B5EF4-FFF2-40B4-BE49-F238E27FC236}">
+                <a16:creationId xmlns:a16="http://schemas.microsoft.com/office/drawing/2014/main" id="{697BD2B2-A743-7072-3FAA-33412687D48C}"/>
+              </a:ext>
+            </a:extLst>
+          </p:cNvPr>
+          <p:cNvPicPr>
+            <a:picLocks noChangeAspect="1" noChangeArrowheads="1"/>
+          </p:cNvPicPr>
+          <p:nvPr/>
+        </p:nvPicPr>
+        <p:blipFill>
+          <a:blip r:embed="rId2">
+            <a:extLst>
+              <a:ext uri="{28A0092B-C50C-407E-A947-70E740481C1C}">
+                <a14:useLocalDpi xmlns:a14="http://schemas.microsoft.com/office/drawing/2010/main" val="0"/>
+              </a:ext>
+            </a:extLst>
+          </a:blip>
+          <a:srcRect/>
+          <a:stretch>
+            <a:fillRect/>
+          </a:stretch>
+        </p:blipFill>
+        <p:spPr bwMode="auto">
+          <a:xfrm>
+            <a:off x="2339040" y="2207730"/>
+            <a:ext cx="5273256" cy="2953023"/>
+          </a:xfrm>
+          <a:prstGeom prst="rect">
+            <a:avLst/>
+          </a:prstGeom>
+          <a:noFill/>
+          <a:extLst>
+            <a:ext uri="{909E8E84-426E-40DD-AFC4-6F175D3DCCD1}">
+              <a14:hiddenFill xmlns:a14="http://schemas.microsoft.com/office/drawing/2010/main">
+                <a:solidFill>
+                  <a:srgbClr val="FFFFFF"/>
+                </a:solidFill>
+              </a14:hiddenFill>
+            </a:ext>
+          </a:extLst>
+        </p:spPr>
+      </p:pic>
+    </p:spTree>
+    <p:extLst>
+      <p:ext uri="{BB962C8B-B14F-4D97-AF65-F5344CB8AC3E}">
+        <p14:creationId xmlns:p14="http://schemas.microsoft.com/office/powerpoint/2010/main" val="3940433954"/>
+      </p:ext>
+    </p:extLst>
+  </p:cSld>
+  <p:clrMapOvr>
+    <a:masterClrMapping/>
+  </p:clrMapOvr>
+</p:sld>
+</file>
+
+<file path=ppt/slides/slide4.xml><?xml version="1.0" encoding="utf-8"?>
+<p:sld xmlns:a="http://schemas.openxmlformats.org/drawingml/2006/main" xmlns:r="http://schemas.openxmlformats.org/officeDocument/2006/relationships" xmlns:p="http://schemas.openxmlformats.org/presentationml/2006/main">
+  <p:cSld>
+    <p:spTree>
+      <p:nvGrpSpPr>
+        <p:cNvPr id="1" name=""/>
+        <p:cNvGrpSpPr/>
+        <p:nvPr/>
+      </p:nvGrpSpPr>
+      <p:grpSpPr>
+        <a:xfrm>
+          <a:off x="0" y="0"/>
+          <a:ext cx="0" cy="0"/>
+          <a:chOff x="0" y="0"/>
+          <a:chExt cx="0" cy="0"/>
+        </a:xfrm>
+      </p:grpSpPr>
+      <p:sp>
+        <p:nvSpPr>
+          <p:cNvPr id="2" name="Título 1">
+            <a:extLst>
+              <a:ext uri="{FF2B5EF4-FFF2-40B4-BE49-F238E27FC236}">
+                <a16:creationId xmlns:a16="http://schemas.microsoft.com/office/drawing/2014/main" id="{41985C02-3E23-D375-FBC9-A7F155305592}"/>
+              </a:ext>
+            </a:extLst>
+          </p:cNvPr>
+          <p:cNvSpPr>
+            <a:spLocks noGrp="1"/>
+          </p:cNvSpPr>
+          <p:nvPr>
+            <p:ph type="title"/>
+          </p:nvPr>
+        </p:nvSpPr>
+        <p:spPr/>
+        <p:txBody>
+          <a:bodyPr/>
+          <a:lstStyle/>
+          <a:p>
+            <a:pPr algn="ctr"/>
+            <a:r>
+              <a:rPr lang="es-MX" dirty="0"/>
+              <a:t>Me gusta la música</a:t>
+            </a:r>
+          </a:p>
+        </p:txBody>
+      </p:sp>
+      <p:pic>
+        <p:nvPicPr>
+          <p:cNvPr id="3074" name="Picture 2" descr="La música como terapia? | Planeta Viola">
+            <a:extLst>
+              <a:ext uri="{FF2B5EF4-FFF2-40B4-BE49-F238E27FC236}">
+                <a16:creationId xmlns:a16="http://schemas.microsoft.com/office/drawing/2014/main" id="{D19EABAF-EC46-EBDD-40B2-6F2F77C8A1A1}"/>
+              </a:ext>
+            </a:extLst>
+          </p:cNvPr>
+          <p:cNvPicPr>
+            <a:picLocks noChangeAspect="1" noChangeArrowheads="1"/>
+          </p:cNvPicPr>
+          <p:nvPr/>
+        </p:nvPicPr>
+        <p:blipFill>
+          <a:blip r:embed="rId2">
+            <a:extLst>
+              <a:ext uri="{28A0092B-C50C-407E-A947-70E740481C1C}">
+                <a14:useLocalDpi xmlns:a14="http://schemas.microsoft.com/office/drawing/2010/main" val="0"/>
+              </a:ext>
+            </a:extLst>
+          </a:blip>
+          <a:srcRect/>
+          <a:stretch>
+            <a:fillRect/>
+          </a:stretch>
+        </p:blipFill>
+        <p:spPr bwMode="auto">
+          <a:xfrm>
+            <a:off x="3792119" y="2525503"/>
+            <a:ext cx="2847975" cy="2434806"/>
+          </a:xfrm>
+          <a:prstGeom prst="rect">
+            <a:avLst/>
+          </a:prstGeom>
+          <a:noFill/>
+          <a:extLst>
+            <a:ext uri="{909E8E84-426E-40DD-AFC4-6F175D3DCCD1}">
+              <a14:hiddenFill xmlns:a14="http://schemas.microsoft.com/office/drawing/2010/main">
+                <a:solidFill>
+                  <a:srgbClr val="FFFFFF"/>
+                </a:solidFill>
+              </a14:hiddenFill>
+            </a:ext>
+          </a:extLst>
+        </p:spPr>
+      </p:pic>
+    </p:spTree>
+    <p:extLst>
+      <p:ext uri="{BB962C8B-B14F-4D97-AF65-F5344CB8AC3E}">
+        <p14:creationId xmlns:p14="http://schemas.microsoft.com/office/powerpoint/2010/main" val="3339498872"/>
+      </p:ext>
+    </p:extLst>
+  </p:cSld>
+  <p:clrMapOvr>
+    <a:masterClrMapping/>
+  </p:clrMapOvr>
+</p:sld>
+</file>
+
+<file path=ppt/slides/slide5.xml><?xml version="1.0" encoding="utf-8"?>
+<p:sld xmlns:a="http://schemas.openxmlformats.org/drawingml/2006/main" xmlns:r="http://schemas.openxmlformats.org/officeDocument/2006/relationships" xmlns:p="http://schemas.openxmlformats.org/presentationml/2006/main">
+  <p:cSld>
+    <p:spTree>
+      <p:nvGrpSpPr>
+        <p:cNvPr id="1" name=""/>
+        <p:cNvGrpSpPr/>
+        <p:nvPr/>
+      </p:nvGrpSpPr>
+      <p:grpSpPr>
+        <a:xfrm>
+          <a:off x="0" y="0"/>
+          <a:ext cx="0" cy="0"/>
+          <a:chOff x="0" y="0"/>
+          <a:chExt cx="0" cy="0"/>
+        </a:xfrm>
+      </p:grpSpPr>
+      <p:sp>
+        <p:nvSpPr>
+          <p:cNvPr id="2" name="Título 1">
+            <a:extLst>
+              <a:ext uri="{FF2B5EF4-FFF2-40B4-BE49-F238E27FC236}">
+                <a16:creationId xmlns:a16="http://schemas.microsoft.com/office/drawing/2014/main" id="{401BEF62-5D8A-4D58-5445-46D2CD8428F4}"/>
+              </a:ext>
+            </a:extLst>
+          </p:cNvPr>
+          <p:cNvSpPr>
+            <a:spLocks noGrp="1"/>
+          </p:cNvSpPr>
+          <p:nvPr>
+            <p:ph type="title"/>
+          </p:nvPr>
+        </p:nvSpPr>
+        <p:spPr/>
+        <p:txBody>
+          <a:bodyPr/>
+          <a:lstStyle/>
+          <a:p>
+            <a:pPr algn="ctr"/>
+            <a:r>
+              <a:rPr lang="es-MX" dirty="0"/>
+              <a:t>Me gusta convivir con mi familia</a:t>
+            </a:r>
+          </a:p>
+        </p:txBody>
+      </p:sp>
+      <p:pic>
+        <p:nvPicPr>
+          <p:cNvPr id="4098" name="Picture 2" descr="Cómo resolver problemas de convivencia en familia por la cuarentena con  ejercicios de coaching - El Cronista">
+            <a:extLst>
+              <a:ext uri="{FF2B5EF4-FFF2-40B4-BE49-F238E27FC236}">
+                <a16:creationId xmlns:a16="http://schemas.microsoft.com/office/drawing/2014/main" id="{8519F04E-0756-D858-D781-9640110028C2}"/>
+              </a:ext>
+            </a:extLst>
+          </p:cNvPr>
+          <p:cNvPicPr>
+            <a:picLocks noChangeAspect="1" noChangeArrowheads="1"/>
+          </p:cNvPicPr>
+          <p:nvPr/>
+        </p:nvPicPr>
+        <p:blipFill>
+          <a:blip r:embed="rId2">
+            <a:extLst>
+              <a:ext uri="{28A0092B-C50C-407E-A947-70E740481C1C}">
+                <a14:useLocalDpi xmlns:a14="http://schemas.microsoft.com/office/drawing/2010/main" val="0"/>
+              </a:ext>
+            </a:extLst>
+          </a:blip>
+          <a:srcRect/>
+          <a:stretch>
+            <a:fillRect/>
+          </a:stretch>
+        </p:blipFill>
+        <p:spPr bwMode="auto">
+          <a:xfrm>
+            <a:off x="3437806" y="2240756"/>
+            <a:ext cx="3471952" cy="2376487"/>
+          </a:xfrm>
+          <a:prstGeom prst="rect">
+            <a:avLst/>
+          </a:prstGeom>
+          <a:noFill/>
+          <a:extLst>
+            <a:ext uri="{909E8E84-426E-40DD-AFC4-6F175D3DCCD1}">
+              <a14:hiddenFill xmlns:a14="http://schemas.microsoft.com/office/drawing/2010/main">
+                <a:solidFill>
+                  <a:srgbClr val="FFFFFF"/>
+                </a:solidFill>
+              </a14:hiddenFill>
+            </a:ext>
+          </a:extLst>
+        </p:spPr>
+      </p:pic>
+    </p:spTree>
+    <p:extLst>
+      <p:ext uri="{BB962C8B-B14F-4D97-AF65-F5344CB8AC3E}">
+        <p14:creationId xmlns:p14="http://schemas.microsoft.com/office/powerpoint/2010/main" val="303192933"/>
+      </p:ext>
+    </p:extLst>
+  </p:cSld>
+  <p:clrMapOvr>
+    <a:masterClrMapping/>
+  </p:clrMapOvr>
+</p:sld>
+</file>
+
 <file path=ppt/theme/theme1.xml><?xml version="1.0" encoding="utf-8"?>
 <a:theme xmlns:a="http://schemas.openxmlformats.org/drawingml/2006/main" name="Faceta">
   <a:themeElements>
